--- a/Presentation1.pptx
+++ b/Presentation1.pptx
@@ -5,7 +5,7 @@
     <p:sldMasterId id="2147483672" r:id="rId1"/>
   </p:sldMasterIdLst>
   <p:notesMasterIdLst>
-    <p:notesMasterId r:id="rId12"/>
+    <p:notesMasterId r:id="rId13"/>
   </p:notesMasterIdLst>
   <p:sldIdLst>
     <p:sldId id="256" r:id="rId2"/>
@@ -16,8 +16,9 @@
     <p:sldId id="261" r:id="rId7"/>
     <p:sldId id="262" r:id="rId8"/>
     <p:sldId id="263" r:id="rId9"/>
-    <p:sldId id="264" r:id="rId10"/>
-    <p:sldId id="265" r:id="rId11"/>
+    <p:sldId id="266" r:id="rId10"/>
+    <p:sldId id="264" r:id="rId11"/>
+    <p:sldId id="265" r:id="rId12"/>
   </p:sldIdLst>
   <p:sldSz cx="9144000" cy="6858000" type="screen4x3"/>
   <p:notesSz cx="6858000" cy="9144000"/>
@@ -116,6 +117,22 @@
       </a:defRPr>
     </a:lvl9pPr>
   </p:defaultTextStyle>
+  <p:extLst>
+    <p:ext uri="{EFAFB233-063F-42B5-8137-9DF3F51BA10A}">
+      <p15:sldGuideLst xmlns:p15="http://schemas.microsoft.com/office/powerpoint/2012/main">
+        <p15:guide id="1" orient="horz" pos="2160">
+          <p15:clr>
+            <a:srgbClr val="A4A3A4"/>
+          </p15:clr>
+        </p15:guide>
+        <p15:guide id="2" pos="2880">
+          <p15:clr>
+            <a:srgbClr val="A4A3A4"/>
+          </p15:clr>
+        </p15:guide>
+      </p15:sldGuideLst>
+    </p:ext>
+  </p:extLst>
 </p:presentation>
 </file>
 
@@ -3908,14 +3925,14 @@
               <a:t>While containing 5,000 images per class, the dataset shows a slight imbalance in </a:t>
             </a:r>
             <a:r>
-              <a:rPr lang="en-US" sz="1900" dirty="0" err="1">
+              <a:rPr lang="en-US" sz="1900" dirty="0" smtClean="0">
                 <a:solidFill>
                   <a:schemeClr val="tx1"/>
                 </a:solidFill>
                 <a:latin typeface="Times New Roman" pitchFamily="18" charset="0"/>
                 <a:cs typeface="Times New Roman" pitchFamily="18" charset="0"/>
               </a:rPr>
-              <a:t>favour</a:t>
+              <a:t>favor </a:t>
             </a:r>
             <a:r>
               <a:rPr lang="en-US" sz="1900" dirty="0">
@@ -3925,7 +3942,7 @@
                 <a:latin typeface="Times New Roman" pitchFamily="18" charset="0"/>
                 <a:cs typeface="Times New Roman" pitchFamily="18" charset="0"/>
               </a:rPr>
-              <a:t> of common objects such as </a:t>
+              <a:t>of common objects such as </a:t>
             </a:r>
             <a:r>
               <a:rPr lang="en-US" sz="1900" dirty="0" err="1">
@@ -4320,6 +4337,65 @@
           <a:chExt cx="0" cy="0"/>
         </a:xfrm>
       </p:grpSpPr>
+      <p:pic>
+        <p:nvPicPr>
+          <p:cNvPr id="2" name="Content Placeholder 1"/>
+          <p:cNvPicPr>
+            <a:picLocks noGrp="1" noChangeAspect="1"/>
+          </p:cNvPicPr>
+          <p:nvPr>
+            <p:ph idx="1"/>
+          </p:nvPr>
+        </p:nvPicPr>
+        <p:blipFill>
+          <a:blip r:embed="rId2">
+            <a:extLst>
+              <a:ext uri="{28A0092B-C50C-407E-A947-70E740481C1C}">
+                <a14:useLocalDpi xmlns:a14="http://schemas.microsoft.com/office/drawing/2010/main" val="0"/>
+              </a:ext>
+            </a:extLst>
+          </a:blip>
+          <a:stretch>
+            <a:fillRect/>
+          </a:stretch>
+        </p:blipFill>
+        <p:spPr>
+          <a:xfrm>
+            <a:off x="1676400" y="1143001"/>
+            <a:ext cx="4956394" cy="3886200"/>
+          </a:xfrm>
+        </p:spPr>
+      </p:pic>
+    </p:spTree>
+    <p:extLst>
+      <p:ext uri="{BB962C8B-B14F-4D97-AF65-F5344CB8AC3E}">
+        <p14:creationId xmlns:p14="http://schemas.microsoft.com/office/powerpoint/2010/main" val="1252053244"/>
+      </p:ext>
+    </p:extLst>
+  </p:cSld>
+  <p:clrMapOvr>
+    <a:masterClrMapping/>
+  </p:clrMapOvr>
+</p:sld>
+</file>
+
+<file path=ppt/slides/slide11.xml><?xml version="1.0" encoding="utf-8"?>
+<p:sld xmlns:a="http://schemas.openxmlformats.org/drawingml/2006/main" xmlns:r="http://schemas.openxmlformats.org/officeDocument/2006/relationships" xmlns:p="http://schemas.openxmlformats.org/presentationml/2006/main">
+  <p:cSld>
+    <p:spTree>
+      <p:nvGrpSpPr>
+        <p:cNvPr id="1" name=""/>
+        <p:cNvGrpSpPr/>
+        <p:nvPr/>
+      </p:nvGrpSpPr>
+      <p:grpSpPr>
+        <a:xfrm>
+          <a:off x="0" y="0"/>
+          <a:ext cx="0" cy="0"/>
+          <a:chOff x="0" y="0"/>
+          <a:chExt cx="0" cy="0"/>
+        </a:xfrm>
+      </p:grpSpPr>
       <p:sp>
         <p:nvSpPr>
           <p:cNvPr id="2" name="Title 1"/>
@@ -4371,12 +4447,161 @@
             <p:ph idx="1"/>
           </p:nvPr>
         </p:nvSpPr>
-        <p:spPr/>
-        <p:txBody>
-          <a:bodyPr/>
+        <p:spPr>
+          <a:xfrm>
+            <a:off x="457200" y="1417638"/>
+            <a:ext cx="7620000" cy="4983162"/>
+          </a:xfrm>
+        </p:spPr>
+        <p:txBody>
+          <a:bodyPr>
+            <a:normAutofit fontScale="92500" lnSpcReduction="20000"/>
+          </a:bodyPr>
           <a:lstStyle/>
           <a:p>
-            <a:endParaRPr lang="en-US"/>
+            <a:pPr marL="114300" indent="0">
+              <a:buNone/>
+            </a:pPr>
+            <a:r>
+              <a:rPr lang="en-US" dirty="0" smtClean="0"/>
+              <a:t>In our </a:t>
+            </a:r>
+            <a:r>
+              <a:rPr lang="en-US" dirty="0"/>
+              <a:t>experiment, the significant jump in accuracy from </a:t>
+            </a:r>
+            <a:r>
+              <a:rPr lang="en-US" dirty="0" smtClean="0"/>
+              <a:t>86% </a:t>
+            </a:r>
+            <a:r>
+              <a:rPr lang="en-US" dirty="0"/>
+              <a:t>to 93% when utilizing transfer learning with ResNet50 </a:t>
+            </a:r>
+            <a:r>
+              <a:rPr lang="en-US" dirty="0" smtClean="0"/>
+              <a:t>on </a:t>
+            </a:r>
+            <a:r>
+              <a:rPr lang="en-US" dirty="0"/>
+              <a:t>CIFAR-10 dataset provides </a:t>
+            </a:r>
+            <a:r>
+              <a:rPr lang="en-US" dirty="0" smtClean="0"/>
+              <a:t>evidence </a:t>
+            </a:r>
+            <a:r>
+              <a:rPr lang="en-US" dirty="0"/>
+              <a:t>for its advantages over training from scratch. This performance gap highlights the power of leveraging pre-trained </a:t>
+            </a:r>
+            <a:r>
+              <a:rPr lang="en-US" dirty="0" smtClean="0"/>
+              <a:t>knowledge.</a:t>
+            </a:r>
+          </a:p>
+          <a:p>
+            <a:pPr marL="114300" indent="0">
+              <a:buNone/>
+            </a:pPr>
+            <a:r>
+              <a:rPr lang="en-US" dirty="0" smtClean="0"/>
+              <a:t>ResNet50 is initially </a:t>
+            </a:r>
+            <a:r>
+              <a:rPr lang="en-US" dirty="0"/>
+              <a:t>trained on a massive dataset of </a:t>
+            </a:r>
+            <a:r>
+              <a:rPr lang="en-US" dirty="0" smtClean="0"/>
+              <a:t>images and </a:t>
+            </a:r>
+            <a:r>
+              <a:rPr lang="en-US" dirty="0"/>
+              <a:t>has already learned fundamental features for recognizing visual patterns. Applying this pre-trained model to </a:t>
+            </a:r>
+            <a:r>
+              <a:rPr lang="en-US" dirty="0" smtClean="0"/>
+              <a:t>CIFAR-10</a:t>
+            </a:r>
+            <a:r>
+              <a:rPr lang="en-US" dirty="0"/>
+              <a:t> </a:t>
+            </a:r>
+            <a:r>
+              <a:rPr lang="en-US" dirty="0" smtClean="0"/>
+              <a:t>which is a </a:t>
+            </a:r>
+            <a:r>
+              <a:rPr lang="en-US" dirty="0"/>
+              <a:t>related task in image classification, allows it to adapt its existing knowledge to the specific </a:t>
+            </a:r>
+            <a:r>
+              <a:rPr lang="en-US" dirty="0" smtClean="0"/>
+              <a:t>patterns </a:t>
+            </a:r>
+            <a:r>
+              <a:rPr lang="en-US" dirty="0"/>
+              <a:t>of CIFAR-10 images. This avoids starting from scratch with random </a:t>
+            </a:r>
+            <a:r>
+              <a:rPr lang="en-US" dirty="0" smtClean="0"/>
+              <a:t>weights, significantly shortening </a:t>
+            </a:r>
+            <a:r>
+              <a:rPr lang="en-US" dirty="0"/>
+              <a:t>the learning process and enhancing accuracy</a:t>
+            </a:r>
+            <a:r>
+              <a:rPr lang="en-US" dirty="0" smtClean="0"/>
+              <a:t>.</a:t>
+            </a:r>
+            <a:endParaRPr lang="en-US" dirty="0"/>
+          </a:p>
+          <a:p>
+            <a:pPr marL="114300" indent="0">
+              <a:buNone/>
+            </a:pPr>
+            <a:r>
+              <a:rPr lang="en-US" dirty="0"/>
+              <a:t>Therefore, if a pre-trained model exists for a </a:t>
+            </a:r>
+            <a:r>
+              <a:rPr lang="en-US" dirty="0" smtClean="0"/>
+              <a:t>similar task, </a:t>
+            </a:r>
+            <a:r>
+              <a:rPr lang="en-US" dirty="0"/>
+              <a:t>transfer learning </a:t>
+            </a:r>
+            <a:r>
+              <a:rPr lang="en-US" dirty="0" smtClean="0"/>
+              <a:t> an </a:t>
+            </a:r>
+            <a:r>
+              <a:rPr lang="en-US" dirty="0"/>
+              <a:t>attractive choice. It </a:t>
+            </a:r>
+            <a:r>
+              <a:rPr lang="en-US" dirty="0" smtClean="0"/>
+              <a:t>offers </a:t>
+            </a:r>
+            <a:r>
+              <a:rPr lang="en-US" dirty="0"/>
+              <a:t>benefits in terms of faster training, better accuracy, and reduced data </a:t>
+            </a:r>
+            <a:r>
+              <a:rPr lang="en-US" dirty="0" smtClean="0"/>
+              <a:t>requirements. </a:t>
+            </a:r>
+            <a:r>
+              <a:rPr lang="en-US" dirty="0"/>
+              <a:t>While training from scratch may be necessary for highly domain-specific tasks or when no suitable pre-trained model exists, transfer learning often emerges as the preferred approach when applicable, as demonstrated by </a:t>
+            </a:r>
+            <a:r>
+              <a:rPr lang="en-US" dirty="0" smtClean="0"/>
+              <a:t>this example.</a:t>
+            </a:r>
+            <a:endParaRPr lang="en-US" dirty="0"/>
           </a:p>
         </p:txBody>
       </p:sp>
@@ -4513,14 +4738,14 @@
                 <a:latin typeface="Times New Roman" pitchFamily="18" charset="0"/>
                 <a:cs typeface="Times New Roman" pitchFamily="18" charset="0"/>
               </a:rPr>
-              <a:t>By converting classical class labels (</a:t>
+              <a:t>By converting classical class labels </a:t>
             </a:r>
             <a:r>
               <a:rPr lang="en-US" sz="1900" dirty="0" smtClean="0">
                 <a:latin typeface="Times New Roman" pitchFamily="18" charset="0"/>
                 <a:cs typeface="Times New Roman" pitchFamily="18" charset="0"/>
               </a:rPr>
-              <a:t>e.g., “airplane</a:t>
+              <a:t>(“airplane</a:t>
             </a:r>
             <a:r>
               <a:rPr lang="en-US" sz="1900" dirty="0">
@@ -4550,28 +4775,10 @@
               </a:rPr>
               <a:t>.</a:t>
             </a:r>
-          </a:p>
-          <a:p>
-            <a:pPr marL="114300" indent="0" algn="just">
-              <a:buNone/>
-            </a:pPr>
-            <a:r>
-              <a:rPr lang="en-US" sz="1900" b="1" dirty="0">
-                <a:latin typeface="Times New Roman" pitchFamily="18" charset="0"/>
-                <a:cs typeface="Times New Roman" pitchFamily="18" charset="0"/>
-              </a:rPr>
-              <a:t>Training: </a:t>
-            </a:r>
-            <a:r>
-              <a:rPr lang="en-US" sz="1900" dirty="0">
-                <a:latin typeface="Times New Roman" pitchFamily="18" charset="0"/>
-                <a:cs typeface="Times New Roman" pitchFamily="18" charset="0"/>
-              </a:rPr>
-              <a:t>We are training a ResNet50 model from scratch for image classification on the CIFAR-10 dataset. This differs from the previous approach of fixing pre-trained weights, allowing for a deeper understanding of the model's learning process and its adaptation to smaller datasets.</a:t>
-            </a:r>
-          </a:p>
-          <a:p>
-            <a:endParaRPr lang="en-US" sz="1900" dirty="0"/>
+            <a:endParaRPr lang="en-US" sz="1900" dirty="0" smtClean="0">
+              <a:latin typeface="Times New Roman" pitchFamily="18" charset="0"/>
+              <a:cs typeface="Times New Roman" pitchFamily="18" charset="0"/>
+            </a:endParaRPr>
           </a:p>
         </p:txBody>
       </p:sp>
@@ -6001,179 +6208,161 @@
       </p:grpSpPr>
       <p:sp>
         <p:nvSpPr>
-          <p:cNvPr id="3" name="Content Placeholder 2"/>
-          <p:cNvSpPr>
-            <a:spLocks noGrp="1"/>
-          </p:cNvSpPr>
-          <p:nvPr>
-            <p:ph idx="1"/>
-          </p:nvPr>
-        </p:nvSpPr>
-        <p:spPr>
-          <a:xfrm>
-            <a:off x="304800" y="228600"/>
-            <a:ext cx="8153400" cy="6477000"/>
-          </a:xfrm>
-        </p:spPr>
-        <p:txBody>
-          <a:bodyPr>
-            <a:normAutofit/>
-          </a:bodyPr>
+          <p:cNvPr id="2" name="Title 1"/>
+          <p:cNvSpPr>
+            <a:spLocks noGrp="1"/>
+          </p:cNvSpPr>
+          <p:nvPr>
+            <p:ph type="title"/>
+          </p:nvPr>
+        </p:nvSpPr>
+        <p:spPr/>
+        <p:txBody>
+          <a:bodyPr/>
           <a:lstStyle/>
           <a:p>
-            <a:pPr marL="114300" indent="0">
-              <a:buNone/>
-            </a:pPr>
-            <a:r>
-              <a:rPr lang="en-US" sz="1800" b="1" dirty="0">
-                <a:latin typeface="Times New Roman" pitchFamily="18" charset="0"/>
-                <a:cs typeface="Times New Roman" pitchFamily="18" charset="0"/>
-              </a:rPr>
-              <a:t>Evaluation of the ResNet50 </a:t>
-            </a:r>
-            <a:r>
-              <a:rPr lang="en-US" sz="1800" b="1" dirty="0" smtClean="0">
-                <a:latin typeface="Times New Roman" pitchFamily="18" charset="0"/>
-                <a:cs typeface="Times New Roman" pitchFamily="18" charset="0"/>
-              </a:rPr>
-              <a:t>Model: </a:t>
-            </a:r>
-            <a:r>
-              <a:rPr lang="en-US" sz="1800" dirty="0" smtClean="0">
-                <a:latin typeface="Times New Roman" pitchFamily="18" charset="0"/>
-                <a:cs typeface="Times New Roman" pitchFamily="18" charset="0"/>
-              </a:rPr>
-              <a:t>After </a:t>
-            </a:r>
-            <a:r>
-              <a:rPr lang="en-US" sz="1800" dirty="0">
-                <a:latin typeface="Times New Roman" pitchFamily="18" charset="0"/>
-                <a:cs typeface="Times New Roman" pitchFamily="18" charset="0"/>
-              </a:rPr>
-              <a:t>completion of the training phase, the model is tested, showing an admirable accuracy rate of 93% during testing</a:t>
-            </a:r>
-            <a:r>
-              <a:rPr lang="en-US" sz="1800" dirty="0" smtClean="0">
-                <a:latin typeface="Times New Roman" pitchFamily="18" charset="0"/>
-                <a:cs typeface="Times New Roman" pitchFamily="18" charset="0"/>
-              </a:rPr>
-              <a:t>.</a:t>
-            </a:r>
-          </a:p>
-          <a:p>
-            <a:pPr marL="114300" indent="0" algn="just">
-              <a:buNone/>
-            </a:pPr>
-            <a:r>
-              <a:rPr lang="en-US" sz="1800" b="1" dirty="0">
-                <a:latin typeface="Times New Roman" pitchFamily="18" charset="0"/>
-                <a:cs typeface="Times New Roman" pitchFamily="18" charset="0"/>
-              </a:rPr>
-              <a:t>Plotting Confusion </a:t>
-            </a:r>
-            <a:r>
-              <a:rPr lang="en-US" sz="1800" b="1" dirty="0">
-                <a:latin typeface="Times New Roman" pitchFamily="18" charset="0"/>
-                <a:cs typeface="Times New Roman" pitchFamily="18" charset="0"/>
-              </a:rPr>
-              <a:t>Matrix: </a:t>
-            </a:r>
-            <a:r>
-              <a:rPr lang="en-US" sz="1800" dirty="0">
-                <a:latin typeface="Times New Roman" pitchFamily="18" charset="0"/>
-                <a:cs typeface="Times New Roman" pitchFamily="18" charset="0"/>
-              </a:rPr>
-              <a:t>Using a </a:t>
-            </a:r>
-            <a:r>
-              <a:rPr lang="en-US" sz="1800" dirty="0" smtClean="0">
-                <a:latin typeface="Times New Roman" pitchFamily="18" charset="0"/>
-                <a:cs typeface="Times New Roman" pitchFamily="18" charset="0"/>
-              </a:rPr>
-              <a:t>heat map </a:t>
-            </a:r>
-            <a:r>
-              <a:rPr lang="en-US" sz="1800" dirty="0">
-                <a:latin typeface="Times New Roman" pitchFamily="18" charset="0"/>
-                <a:cs typeface="Times New Roman" pitchFamily="18" charset="0"/>
-              </a:rPr>
-              <a:t>is a better way to display the confusion matrix, as it allows a clearer visualization of the classes in our model that are often confused. For example, if the model predicts the class of dog as cat 107 times, examining the </a:t>
-            </a:r>
-            <a:r>
-              <a:rPr lang="en-US" sz="1800" dirty="0" err="1">
-                <a:latin typeface="Times New Roman" pitchFamily="18" charset="0"/>
-                <a:cs typeface="Times New Roman" pitchFamily="18" charset="0"/>
-              </a:rPr>
-              <a:t>heatmap</a:t>
-            </a:r>
-            <a:r>
-              <a:rPr lang="en-US" sz="1800" dirty="0">
-                <a:latin typeface="Times New Roman" pitchFamily="18" charset="0"/>
-                <a:cs typeface="Times New Roman" pitchFamily="18" charset="0"/>
-              </a:rPr>
-              <a:t> reveals that particular misclassification. Such faults can have various causes, such as both cats and dogs having four legs and two pointed ears.</a:t>
-            </a:r>
-            <a:endParaRPr lang="en-US" sz="1800" dirty="0" smtClean="0">
+            <a:r>
+              <a:rPr lang="en-US" sz="2800" b="1" dirty="0">
+                <a:solidFill>
+                  <a:schemeClr val="tx1"/>
+                </a:solidFill>
+                <a:latin typeface="Times New Roman" pitchFamily="18" charset="0"/>
+                <a:cs typeface="Times New Roman" pitchFamily="18" charset="0"/>
+              </a:rPr>
+              <a:t>Evaluation</a:t>
+            </a:r>
+            <a:endParaRPr lang="en-US" sz="2800" b="1" dirty="0">
+              <a:solidFill>
+                <a:schemeClr val="tx1"/>
+              </a:solidFill>
               <a:latin typeface="Times New Roman" pitchFamily="18" charset="0"/>
               <a:cs typeface="Times New Roman" pitchFamily="18" charset="0"/>
             </a:endParaRPr>
           </a:p>
+        </p:txBody>
+      </p:sp>
+      <p:sp>
+        <p:nvSpPr>
+          <p:cNvPr id="3" name="Content Placeholder 2"/>
+          <p:cNvSpPr>
+            <a:spLocks noGrp="1"/>
+          </p:cNvSpPr>
+          <p:nvPr>
+            <p:ph idx="1"/>
+          </p:nvPr>
+        </p:nvSpPr>
+        <p:spPr/>
+        <p:txBody>
+          <a:bodyPr/>
+          <a:lstStyle/>
           <a:p>
             <a:pPr marL="114300" indent="0">
               <a:buNone/>
             </a:pPr>
-            <a:endParaRPr lang="en-US" sz="1800" dirty="0">
+            <a:r>
+              <a:rPr lang="en-US" sz="1900" b="1" dirty="0">
+                <a:latin typeface="Times New Roman" pitchFamily="18" charset="0"/>
+                <a:cs typeface="Times New Roman" pitchFamily="18" charset="0"/>
+              </a:rPr>
+              <a:t>Evaluation of the ResNet50 Model:</a:t>
+            </a:r>
+            <a:r>
+              <a:rPr lang="en-US" sz="2400" b="1" dirty="0">
+                <a:latin typeface="Times New Roman" pitchFamily="18" charset="0"/>
+                <a:cs typeface="Times New Roman" pitchFamily="18" charset="0"/>
+              </a:rPr>
+              <a:t> </a:t>
+            </a:r>
+            <a:r>
+              <a:rPr lang="en-US" sz="1900" dirty="0">
+                <a:latin typeface="Times New Roman" pitchFamily="18" charset="0"/>
+                <a:cs typeface="Times New Roman" pitchFamily="18" charset="0"/>
+              </a:rPr>
+              <a:t>After completion of the training phase, the model is tested, showing an admirable accuracy rate of 93% during testing</a:t>
+            </a:r>
+            <a:r>
+              <a:rPr lang="en-US" sz="1900" dirty="0" smtClean="0">
+                <a:latin typeface="Times New Roman" pitchFamily="18" charset="0"/>
+                <a:cs typeface="Times New Roman" pitchFamily="18" charset="0"/>
+              </a:rPr>
+              <a:t>.</a:t>
+            </a:r>
+          </a:p>
+          <a:p>
+            <a:pPr marL="114300" indent="0">
+              <a:buNone/>
+            </a:pPr>
+            <a:endParaRPr lang="en-US" sz="1900" dirty="0">
               <a:latin typeface="Times New Roman" pitchFamily="18" charset="0"/>
               <a:cs typeface="Times New Roman" pitchFamily="18" charset="0"/>
             </a:endParaRPr>
           </a:p>
-        </p:txBody>
-      </p:sp>
-      <p:pic>
-        <p:nvPicPr>
-          <p:cNvPr id="2050" name="Picture 2" descr="C:\Users\HP\Desktop\co.png"/>
-          <p:cNvPicPr>
-            <a:picLocks noChangeAspect="1" noChangeArrowheads="1"/>
-          </p:cNvPicPr>
-          <p:nvPr/>
-        </p:nvPicPr>
-        <p:blipFill>
-          <a:blip r:embed="rId2">
-            <a:extLst>
-              <a:ext uri="{28A0092B-C50C-407E-A947-70E740481C1C}">
-                <a14:useLocalDpi xmlns:a14="http://schemas.microsoft.com/office/drawing/2010/main" val="0"/>
-              </a:ext>
-            </a:extLst>
-          </a:blip>
-          <a:srcRect/>
-          <a:stretch>
-            <a:fillRect/>
-          </a:stretch>
-        </p:blipFill>
-        <p:spPr bwMode="auto">
-          <a:xfrm>
-            <a:off x="914400" y="2286000"/>
-            <a:ext cx="6629400" cy="4114800"/>
-          </a:xfrm>
-          <a:prstGeom prst="rect">
-            <a:avLst/>
-          </a:prstGeom>
-          <a:noFill/>
-          <a:extLst>
-            <a:ext uri="{909E8E84-426E-40DD-AFC4-6F175D3DCCD1}">
-              <a14:hiddenFill xmlns:a14="http://schemas.microsoft.com/office/drawing/2010/main">
-                <a:solidFill>
-                  <a:srgbClr val="FFFFFF"/>
-                </a:solidFill>
-              </a14:hiddenFill>
-            </a:ext>
-          </a:extLst>
-        </p:spPr>
-      </p:pic>
+          <a:p>
+            <a:pPr marL="114300" indent="0">
+              <a:buNone/>
+            </a:pPr>
+            <a:endParaRPr lang="en-US" sz="1900" dirty="0">
+              <a:latin typeface="Times New Roman" pitchFamily="18" charset="0"/>
+              <a:cs typeface="Times New Roman" pitchFamily="18" charset="0"/>
+            </a:endParaRPr>
+          </a:p>
+          <a:p>
+            <a:pPr marL="114300" indent="0" algn="just">
+              <a:buNone/>
+            </a:pPr>
+            <a:r>
+              <a:rPr lang="en-US" sz="1900" b="1" dirty="0">
+                <a:latin typeface="Times New Roman" pitchFamily="18" charset="0"/>
+                <a:cs typeface="Times New Roman" pitchFamily="18" charset="0"/>
+              </a:rPr>
+              <a:t>Plotting Confusion Matrix:</a:t>
+            </a:r>
+            <a:r>
+              <a:rPr lang="en-US" sz="2400" b="1" dirty="0">
+                <a:latin typeface="Times New Roman" pitchFamily="18" charset="0"/>
+                <a:cs typeface="Times New Roman" pitchFamily="18" charset="0"/>
+              </a:rPr>
+              <a:t> </a:t>
+            </a:r>
+            <a:r>
+              <a:rPr lang="en-US" sz="1900" dirty="0">
+                <a:latin typeface="Times New Roman" pitchFamily="18" charset="0"/>
+                <a:cs typeface="Times New Roman" pitchFamily="18" charset="0"/>
+              </a:rPr>
+              <a:t>Using a heat map is a better way to display the confusion matrix, as it allows a clearer visualization of the classes in our model that are often confused. For example, if the model predicts the class of dog as cat 107 times, examining the </a:t>
+            </a:r>
+            <a:r>
+              <a:rPr lang="en-US" sz="1900" dirty="0" err="1">
+                <a:latin typeface="Times New Roman" pitchFamily="18" charset="0"/>
+                <a:cs typeface="Times New Roman" pitchFamily="18" charset="0"/>
+              </a:rPr>
+              <a:t>heatmap</a:t>
+            </a:r>
+            <a:r>
+              <a:rPr lang="en-US" sz="1900" dirty="0">
+                <a:latin typeface="Times New Roman" pitchFamily="18" charset="0"/>
+                <a:cs typeface="Times New Roman" pitchFamily="18" charset="0"/>
+              </a:rPr>
+              <a:t> reveals that particular misclassification. Such faults can have various causes, such as both cats and dogs having four legs and two pointed ears</a:t>
+            </a:r>
+            <a:r>
+              <a:rPr lang="en-US" sz="1900" dirty="0">
+                <a:latin typeface="Times New Roman" pitchFamily="18" charset="0"/>
+                <a:cs typeface="Times New Roman" pitchFamily="18" charset="0"/>
+              </a:rPr>
+              <a:t>.</a:t>
+            </a:r>
+            <a:endParaRPr lang="en-US" sz="1900" dirty="0">
+              <a:latin typeface="Times New Roman" pitchFamily="18" charset="0"/>
+              <a:cs typeface="Times New Roman" pitchFamily="18" charset="0"/>
+            </a:endParaRPr>
+          </a:p>
+        </p:txBody>
+      </p:sp>
     </p:spTree>
     <p:extLst>
       <p:ext uri="{BB962C8B-B14F-4D97-AF65-F5344CB8AC3E}">
-        <p14:creationId xmlns:p14="http://schemas.microsoft.com/office/powerpoint/2010/main" val="1252053244"/>
+        <p14:creationId xmlns:p14="http://schemas.microsoft.com/office/powerpoint/2010/main" val="3345574151"/>
       </p:ext>
     </p:extLst>
   </p:cSld>
